--- a/safetyEquipmentDetection.pptx
+++ b/safetyEquipmentDetection.pptx
@@ -3559,14 +3559,7 @@
                 <a:latin typeface="Calibri" panose="020F0502020204030204" pitchFamily="34" charset="0"/>
                 <a:cs typeface="Calibri" panose="020F0502020204030204" pitchFamily="34" charset="0"/>
               </a:rPr>
-              <a:t> hardware or software based service can be made to use that existing surveillance system feed to detect, record and send notifications for improper PPE usage automatically. Thus increasing workplace safety at low cost and </a:t>
-            </a:r>
-            <a:r>
-              <a:rPr lang="en-US" smtClean="0">
-                <a:latin typeface="Calibri" panose="020F0502020204030204" pitchFamily="34" charset="0"/>
-                <a:cs typeface="Calibri" panose="020F0502020204030204" pitchFamily="34" charset="0"/>
-              </a:rPr>
-              <a:t>low complexity.</a:t>
+              <a:t> hardware or software based service can be made to use that existing surveillance system feed to detect, record and send notifications for improper PPE usage automatically. Thus increasing workplace safety at low cost and low complexity.</a:t>
             </a:r>
           </a:p>
         </p:txBody>
@@ -6590,7 +6583,19 @@
             </a:pPr>
             <a:r>
               <a:rPr lang="en-US" dirty="0" smtClean="0"/>
-              <a:t>- Unpack provided dataset used to train this demo session in your Jetson Nano at this location.</a:t>
+              <a:t>- Unpack provided </a:t>
+            </a:r>
+            <a:r>
+              <a:rPr lang="en-US" dirty="0" err="1" smtClean="0"/>
+              <a:t>Mobilenet-ssd</a:t>
+            </a:r>
+            <a:r>
+              <a:rPr lang="en-US" dirty="0" smtClean="0"/>
+              <a:t> model for demo </a:t>
+            </a:r>
+            <a:r>
+              <a:rPr lang="en-US" dirty="0" smtClean="0"/>
+              <a:t>session in your Jetson Nano at this location.</a:t>
             </a:r>
           </a:p>
           <a:p>
@@ -6623,8 +6628,17 @@
             </a:r>
             <a:r>
               <a:rPr lang="en-US" dirty="0" smtClean="0"/>
-              <a:t>/data</a:t>
-            </a:r>
+              <a:t>/models/</a:t>
+            </a:r>
+            <a:r>
+              <a:rPr lang="en-US" dirty="0" err="1" smtClean="0"/>
+              <a:t>safeUnsafe</a:t>
+            </a:r>
+            <a:r>
+              <a:rPr lang="en-US" dirty="0" smtClean="0"/>
+              <a:t>/</a:t>
+            </a:r>
+            <a:endParaRPr lang="en-US" dirty="0" smtClean="0"/>
           </a:p>
           <a:p>
             <a:pPr marL="0" indent="0">
@@ -6632,42 +6646,11 @@
             </a:pPr>
             <a:r>
               <a:rPr lang="en-US" dirty="0" smtClean="0"/>
-              <a:t>- Train your SSD-</a:t>
-            </a:r>
-            <a:r>
-              <a:rPr lang="en-US" dirty="0" err="1" smtClean="0"/>
-              <a:t>MobileNet</a:t>
+              <a:t>- </a:t>
             </a:r>
             <a:r>
               <a:rPr lang="en-US" dirty="0" smtClean="0"/>
-              <a:t> AI model with the provided dataset by following this guide.</a:t>
-            </a:r>
-          </a:p>
-          <a:p>
-            <a:pPr marL="0" indent="0">
-              <a:buNone/>
-            </a:pPr>
-            <a:r>
-              <a:rPr lang="en-US" dirty="0">
-                <a:hlinkClick r:id="rId3"/>
-              </a:rPr>
-              <a:t>https://</a:t>
-            </a:r>
-            <a:r>
-              <a:rPr lang="en-US" dirty="0" smtClean="0">
-                <a:hlinkClick r:id="rId3"/>
-              </a:rPr>
-              <a:t>github.com/dusty-nv/jetson-inference/blob/master/docs/pytorch-ssd.md</a:t>
-            </a:r>
-            <a:endParaRPr lang="en-US" dirty="0" smtClean="0"/>
-          </a:p>
-          <a:p>
-            <a:pPr marL="0" indent="0">
-              <a:buNone/>
-            </a:pPr>
-            <a:r>
-              <a:rPr lang="en-US" dirty="0" smtClean="0"/>
-              <a:t>- Place </a:t>
+              <a:t>Place </a:t>
             </a:r>
             <a:r>
               <a:rPr lang="en-US" dirty="0"/>
